--- a/Ymmersions/Ymmersion - Linux.pptx
+++ b/Ymmersions/Ymmersion - Linux.pptx
@@ -140,7 +140,7 @@
   <pc:docChgLst>
     <pc:chgData name="Jean-Philippe" userId="5b8fb71733062750" providerId="LiveId" clId="{2CD3FD61-1B0C-434F-869E-1E962A07C5C3}"/>
     <pc:docChg chg="undo redo custSel addSld delSld modSld sldOrd">
-      <pc:chgData name="Jean-Philippe" userId="5b8fb71733062750" providerId="LiveId" clId="{2CD3FD61-1B0C-434F-869E-1E962A07C5C3}" dt="2022-07-11T12:15:04.070" v="2020" actId="47"/>
+      <pc:chgData name="Jean-Philippe" userId="5b8fb71733062750" providerId="LiveId" clId="{2CD3FD61-1B0C-434F-869E-1E962A07C5C3}" dt="2022-07-12T08:13:35.787" v="2075" actId="20577"/>
       <pc:docMkLst>
         <pc:docMk/>
       </pc:docMkLst>
@@ -1715,7 +1715,7 @@
         </pc:graphicFrameChg>
       </pc:sldChg>
       <pc:sldChg chg="addSp delSp modSp new mod modNotesTx">
-        <pc:chgData name="Jean-Philippe" userId="5b8fb71733062750" providerId="LiveId" clId="{2CD3FD61-1B0C-434F-869E-1E962A07C5C3}" dt="2022-07-11T12:07:46.202" v="1972" actId="20577"/>
+        <pc:chgData name="Jean-Philippe" userId="5b8fb71733062750" providerId="LiveId" clId="{2CD3FD61-1B0C-434F-869E-1E962A07C5C3}" dt="2022-07-12T08:13:35.787" v="2075" actId="20577"/>
         <pc:sldMkLst>
           <pc:docMk/>
           <pc:sldMk cId="4282717010" sldId="268"/>
@@ -1737,7 +1737,7 @@
           </ac:spMkLst>
         </pc:spChg>
         <pc:spChg chg="add mod">
-          <ac:chgData name="Jean-Philippe" userId="5b8fb71733062750" providerId="LiveId" clId="{2CD3FD61-1B0C-434F-869E-1E962A07C5C3}" dt="2022-07-11T11:08:35.009" v="968" actId="404"/>
+          <ac:chgData name="Jean-Philippe" userId="5b8fb71733062750" providerId="LiveId" clId="{2CD3FD61-1B0C-434F-869E-1E962A07C5C3}" dt="2022-07-12T08:13:35.787" v="2075" actId="20577"/>
           <ac:spMkLst>
             <pc:docMk/>
             <pc:sldMk cId="4282717010" sldId="268"/>
@@ -11918,7 +11918,7 @@
           <a:p>
             <a:fld id="{0B756C37-B7B4-4FC9-A47B-AD2E4A185EBA}" type="datetimeFigureOut">
               <a:rPr lang="fr-FR" smtClean="0"/>
-              <a:t>11/07/2022</a:t>
+              <a:t>12/07/2022</a:t>
             </a:fld>
             <a:endParaRPr lang="fr-FR"/>
           </a:p>
@@ -13640,7 +13640,7 @@
           <a:p>
             <a:fld id="{2088DAF4-D1DB-4FA3-9D9F-47575B3C1E82}" type="datetimeFigureOut">
               <a:rPr lang="fr-FR" smtClean="0"/>
-              <a:t>11/07/2022</a:t>
+              <a:t>12/07/2022</a:t>
             </a:fld>
             <a:endParaRPr lang="fr-FR"/>
           </a:p>
@@ -13891,7 +13891,7 @@
           <a:p>
             <a:fld id="{2088DAF4-D1DB-4FA3-9D9F-47575B3C1E82}" type="datetimeFigureOut">
               <a:rPr lang="fr-FR" smtClean="0"/>
-              <a:t>11/07/2022</a:t>
+              <a:t>12/07/2022</a:t>
             </a:fld>
             <a:endParaRPr lang="fr-FR"/>
           </a:p>
@@ -14205,7 +14205,7 @@
           <a:p>
             <a:fld id="{2088DAF4-D1DB-4FA3-9D9F-47575B3C1E82}" type="datetimeFigureOut">
               <a:rPr lang="fr-FR" smtClean="0"/>
-              <a:t>11/07/2022</a:t>
+              <a:t>12/07/2022</a:t>
             </a:fld>
             <a:endParaRPr lang="fr-FR"/>
           </a:p>
@@ -14546,7 +14546,7 @@
           <a:p>
             <a:fld id="{2088DAF4-D1DB-4FA3-9D9F-47575B3C1E82}" type="datetimeFigureOut">
               <a:rPr lang="fr-FR" smtClean="0"/>
-              <a:t>11/07/2022</a:t>
+              <a:t>12/07/2022</a:t>
             </a:fld>
             <a:endParaRPr lang="fr-FR"/>
           </a:p>
@@ -14860,7 +14860,7 @@
           <a:p>
             <a:fld id="{2088DAF4-D1DB-4FA3-9D9F-47575B3C1E82}" type="datetimeFigureOut">
               <a:rPr lang="fr-FR" smtClean="0"/>
-              <a:t>11/07/2022</a:t>
+              <a:t>12/07/2022</a:t>
             </a:fld>
             <a:endParaRPr lang="fr-FR"/>
           </a:p>
@@ -15253,7 +15253,7 @@
           <a:p>
             <a:fld id="{2088DAF4-D1DB-4FA3-9D9F-47575B3C1E82}" type="datetimeFigureOut">
               <a:rPr lang="fr-FR" smtClean="0"/>
-              <a:t>11/07/2022</a:t>
+              <a:t>12/07/2022</a:t>
             </a:fld>
             <a:endParaRPr lang="fr-FR"/>
           </a:p>
@@ -15423,7 +15423,7 @@
           <a:p>
             <a:fld id="{2088DAF4-D1DB-4FA3-9D9F-47575B3C1E82}" type="datetimeFigureOut">
               <a:rPr lang="fr-FR" smtClean="0"/>
-              <a:t>11/07/2022</a:t>
+              <a:t>12/07/2022</a:t>
             </a:fld>
             <a:endParaRPr lang="fr-FR"/>
           </a:p>
@@ -15603,7 +15603,7 @@
           <a:p>
             <a:fld id="{2088DAF4-D1DB-4FA3-9D9F-47575B3C1E82}" type="datetimeFigureOut">
               <a:rPr lang="fr-FR" smtClean="0"/>
-              <a:t>11/07/2022</a:t>
+              <a:t>12/07/2022</a:t>
             </a:fld>
             <a:endParaRPr lang="fr-FR"/>
           </a:p>
@@ -15779,7 +15779,7 @@
           <a:p>
             <a:fld id="{2088DAF4-D1DB-4FA3-9D9F-47575B3C1E82}" type="datetimeFigureOut">
               <a:rPr lang="fr-FR" smtClean="0"/>
-              <a:t>11/07/2022</a:t>
+              <a:t>12/07/2022</a:t>
             </a:fld>
             <a:endParaRPr lang="fr-FR"/>
           </a:p>
@@ -16026,7 +16026,7 @@
           <a:p>
             <a:fld id="{2088DAF4-D1DB-4FA3-9D9F-47575B3C1E82}" type="datetimeFigureOut">
               <a:rPr lang="fr-FR" smtClean="0"/>
-              <a:t>11/07/2022</a:t>
+              <a:t>12/07/2022</a:t>
             </a:fld>
             <a:endParaRPr lang="fr-FR"/>
           </a:p>
@@ -16258,7 +16258,7 @@
           <a:p>
             <a:fld id="{2088DAF4-D1DB-4FA3-9D9F-47575B3C1E82}" type="datetimeFigureOut">
               <a:rPr lang="fr-FR" smtClean="0"/>
-              <a:t>11/07/2022</a:t>
+              <a:t>12/07/2022</a:t>
             </a:fld>
             <a:endParaRPr lang="fr-FR"/>
           </a:p>
@@ -16632,7 +16632,7 @@
           <a:p>
             <a:fld id="{2088DAF4-D1DB-4FA3-9D9F-47575B3C1E82}" type="datetimeFigureOut">
               <a:rPr lang="fr-FR" smtClean="0"/>
-              <a:t>11/07/2022</a:t>
+              <a:t>12/07/2022</a:t>
             </a:fld>
             <a:endParaRPr lang="fr-FR"/>
           </a:p>
@@ -16755,7 +16755,7 @@
           <a:p>
             <a:fld id="{2088DAF4-D1DB-4FA3-9D9F-47575B3C1E82}" type="datetimeFigureOut">
               <a:rPr lang="fr-FR" smtClean="0"/>
-              <a:t>11/07/2022</a:t>
+              <a:t>12/07/2022</a:t>
             </a:fld>
             <a:endParaRPr lang="fr-FR"/>
           </a:p>
@@ -16850,7 +16850,7 @@
           <a:p>
             <a:fld id="{2088DAF4-D1DB-4FA3-9D9F-47575B3C1E82}" type="datetimeFigureOut">
               <a:rPr lang="fr-FR" smtClean="0"/>
-              <a:t>11/07/2022</a:t>
+              <a:t>12/07/2022</a:t>
             </a:fld>
             <a:endParaRPr lang="fr-FR"/>
           </a:p>
@@ -17105,7 +17105,7 @@
           <a:p>
             <a:fld id="{2088DAF4-D1DB-4FA3-9D9F-47575B3C1E82}" type="datetimeFigureOut">
               <a:rPr lang="fr-FR" smtClean="0"/>
-              <a:t>11/07/2022</a:t>
+              <a:t>12/07/2022</a:t>
             </a:fld>
             <a:endParaRPr lang="fr-FR"/>
           </a:p>
@@ -17368,7 +17368,7 @@
           <a:p>
             <a:fld id="{2088DAF4-D1DB-4FA3-9D9F-47575B3C1E82}" type="datetimeFigureOut">
               <a:rPr lang="fr-FR" smtClean="0"/>
-              <a:t>11/07/2022</a:t>
+              <a:t>12/07/2022</a:t>
             </a:fld>
             <a:endParaRPr lang="fr-FR"/>
           </a:p>
@@ -18111,7 +18111,7 @@
           <a:p>
             <a:fld id="{2088DAF4-D1DB-4FA3-9D9F-47575B3C1E82}" type="datetimeFigureOut">
               <a:rPr lang="fr-FR" smtClean="0"/>
-              <a:t>11/07/2022</a:t>
+              <a:t>12/07/2022</a:t>
             </a:fld>
             <a:endParaRPr lang="fr-FR"/>
           </a:p>
@@ -20192,7 +20192,7 @@
         <p:spPr>
           <a:xfrm>
             <a:off x="1286933" y="1424940"/>
-            <a:ext cx="6382228" cy="4924425"/>
+            <a:ext cx="6382228" cy="5262979"/>
           </a:xfrm>
           <a:prstGeom prst="rect">
             <a:avLst/>
@@ -20316,6 +20316,28 @@
               <a:rPr lang="fr-FR" sz="1600" dirty="0"/>
               <a:t> lister le dossier</a:t>
             </a:r>
+          </a:p>
+          <a:p>
+            <a:pPr marL="342900" indent="-342900">
+              <a:buFontTx/>
+              <a:buChar char="-"/>
+            </a:pPr>
+            <a:endParaRPr lang="fr-FR" sz="1600" dirty="0"/>
+          </a:p>
+          <a:p>
+            <a:pPr marL="342900" indent="-342900">
+              <a:buFontTx/>
+              <a:buChar char="-"/>
+            </a:pPr>
+            <a:r>
+              <a:rPr lang="fr-FR" sz="1600" b="1" dirty="0"/>
+              <a:t>ln</a:t>
+            </a:r>
+            <a:r>
+              <a:rPr lang="fr-FR" sz="1600" dirty="0"/>
+              <a:t> créer des liens</a:t>
+            </a:r>
+            <a:endParaRPr lang="fr-FR" sz="1600" b="1" dirty="0"/>
           </a:p>
           <a:p>
             <a:pPr marL="342900" indent="-342900">

--- a/Ymmersions/Ymmersion - Linux.pptx
+++ b/Ymmersions/Ymmersion - Linux.pptx
@@ -130,7 +130,7 @@
 <file path=ppt/revisionInfo.xml><?xml version="1.0" encoding="utf-8"?>
 <p1510:revInfo xmlns:a="http://schemas.openxmlformats.org/drawingml/2006/main" xmlns:r="http://schemas.openxmlformats.org/officeDocument/2006/relationships" xmlns:p1510="http://schemas.microsoft.com/office/powerpoint/2015/10/main">
   <p1510:revLst>
-    <p1510:client id="{2CD3FD61-1B0C-434F-869E-1E962A07C5C3}" v="146" dt="2022-07-11T11:29:09.470"/>
+    <p1510:client id="{2CD3FD61-1B0C-434F-869E-1E962A07C5C3}" v="161" dt="2022-07-12T09:58:57.986"/>
   </p1510:revLst>
 </p1510:revInfo>
 </file>
@@ -140,7 +140,7 @@
   <pc:docChgLst>
     <pc:chgData name="Jean-Philippe" userId="5b8fb71733062750" providerId="LiveId" clId="{2CD3FD61-1B0C-434F-869E-1E962A07C5C3}"/>
     <pc:docChg chg="undo redo custSel addSld delSld modSld sldOrd">
-      <pc:chgData name="Jean-Philippe" userId="5b8fb71733062750" providerId="LiveId" clId="{2CD3FD61-1B0C-434F-869E-1E962A07C5C3}" dt="2022-07-12T08:13:35.787" v="2075" actId="20577"/>
+      <pc:chgData name="Jean-Philippe" userId="5b8fb71733062750" providerId="LiveId" clId="{2CD3FD61-1B0C-434F-869E-1E962A07C5C3}" dt="2022-07-12T09:59:38.841" v="2096" actId="1076"/>
       <pc:docMkLst>
         <pc:docMk/>
       </pc:docMkLst>
@@ -412,7 +412,7 @@
         </pc:cxnChg>
       </pc:sldChg>
       <pc:sldChg chg="addSp delSp modSp new mod setBg modAnim setClrOvrMap modNotesTx">
-        <pc:chgData name="Jean-Philippe" userId="5b8fb71733062750" providerId="LiveId" clId="{2CD3FD61-1B0C-434F-869E-1E962A07C5C3}" dt="2022-07-11T11:53:56.764" v="1215" actId="20577"/>
+        <pc:chgData name="Jean-Philippe" userId="5b8fb71733062750" providerId="LiveId" clId="{2CD3FD61-1B0C-434F-869E-1E962A07C5C3}" dt="2022-07-12T09:59:38.841" v="2096" actId="1076"/>
         <pc:sldMkLst>
           <pc:docMk/>
           <pc:sldMk cId="3809766266" sldId="260"/>
@@ -458,7 +458,7 @@
           </ac:spMkLst>
         </pc:spChg>
         <pc:spChg chg="add mod ord">
-          <ac:chgData name="Jean-Philippe" userId="5b8fb71733062750" providerId="LiveId" clId="{2CD3FD61-1B0C-434F-869E-1E962A07C5C3}" dt="2022-07-11T11:24:29.941" v="1057" actId="14100"/>
+          <ac:chgData name="Jean-Philippe" userId="5b8fb71733062750" providerId="LiveId" clId="{2CD3FD61-1B0C-434F-869E-1E962A07C5C3}" dt="2022-07-12T09:59:30.582" v="2095" actId="1076"/>
           <ac:spMkLst>
             <pc:docMk/>
             <pc:sldMk cId="3809766266" sldId="260"/>
@@ -810,7 +810,7 @@
           </ac:spMkLst>
         </pc:spChg>
         <pc:spChg chg="add mod">
-          <ac:chgData name="Jean-Philippe" userId="5b8fb71733062750" providerId="LiveId" clId="{2CD3FD61-1B0C-434F-869E-1E962A07C5C3}" dt="2022-07-11T09:56:37.243" v="448" actId="14100"/>
+          <ac:chgData name="Jean-Philippe" userId="5b8fb71733062750" providerId="LiveId" clId="{2CD3FD61-1B0C-434F-869E-1E962A07C5C3}" dt="2022-07-12T09:59:38.841" v="2096" actId="1076"/>
           <ac:spMkLst>
             <pc:docMk/>
             <pc:sldMk cId="3809766266" sldId="260"/>
@@ -874,7 +874,7 @@
           </ac:spMkLst>
         </pc:spChg>
         <pc:spChg chg="add mod">
-          <ac:chgData name="Jean-Philippe" userId="5b8fb71733062750" providerId="LiveId" clId="{2CD3FD61-1B0C-434F-869E-1E962A07C5C3}" dt="2022-07-11T11:24:41.045" v="1060" actId="1076"/>
+          <ac:chgData name="Jean-Philippe" userId="5b8fb71733062750" providerId="LiveId" clId="{2CD3FD61-1B0C-434F-869E-1E962A07C5C3}" dt="2022-07-12T09:59:25.284" v="2094" actId="1076"/>
           <ac:spMkLst>
             <pc:docMk/>
             <pc:sldMk cId="3809766266" sldId="260"/>
@@ -882,7 +882,7 @@
           </ac:spMkLst>
         </pc:spChg>
         <pc:spChg chg="add mod">
-          <ac:chgData name="Jean-Philippe" userId="5b8fb71733062750" providerId="LiveId" clId="{2CD3FD61-1B0C-434F-869E-1E962A07C5C3}" dt="2022-07-11T11:24:46.710" v="1061" actId="1076"/>
+          <ac:chgData name="Jean-Philippe" userId="5b8fb71733062750" providerId="LiveId" clId="{2CD3FD61-1B0C-434F-869E-1E962A07C5C3}" dt="2022-07-12T09:59:21.010" v="2093" actId="1076"/>
           <ac:spMkLst>
             <pc:docMk/>
             <pc:sldMk cId="3809766266" sldId="260"/>
@@ -1058,7 +1058,7 @@
           </ac:graphicFrameMkLst>
         </pc:graphicFrameChg>
         <pc:picChg chg="add mod">
-          <ac:chgData name="Jean-Philippe" userId="5b8fb71733062750" providerId="LiveId" clId="{2CD3FD61-1B0C-434F-869E-1E962A07C5C3}" dt="2022-07-11T09:50:11.386" v="397" actId="26606"/>
+          <ac:chgData name="Jean-Philippe" userId="5b8fb71733062750" providerId="LiveId" clId="{2CD3FD61-1B0C-434F-869E-1E962A07C5C3}" dt="2022-07-12T09:58:57.986" v="2092" actId="1076"/>
           <ac:picMkLst>
             <pc:docMk/>
             <pc:sldMk cId="3809766266" sldId="260"/>
@@ -21733,10 +21733,17 @@
               </a:spcAft>
             </a:pPr>
             <a:r>
-              <a:rPr lang="en-US" sz="6000"/>
-              <a:t>A votre tour !</a:t>
+              <a:rPr lang="en-US" sz="6000" dirty="0"/>
+              <a:t>A </a:t>
             </a:r>
-            <a:endParaRPr lang="en-US" sz="6000" dirty="0"/>
+            <a:r>
+              <a:rPr lang="en-US" sz="6000" dirty="0" err="1"/>
+              <a:t>votre</a:t>
+            </a:r>
+            <a:r>
+              <a:rPr lang="en-US" sz="6000" dirty="0"/>
+              <a:t> tour !</a:t>
+            </a:r>
           </a:p>
         </p:txBody>
       </p:sp>
@@ -25157,7 +25164,7 @@
         </p:nvSpPr>
         <p:spPr>
           <a:xfrm>
-            <a:off x="5299590" y="1475104"/>
+            <a:off x="5305108" y="1883392"/>
             <a:ext cx="5636236" cy="1150088"/>
           </a:xfrm>
           <a:prstGeom prst="rect">
@@ -25343,8 +25350,8 @@
         </p:blipFill>
         <p:spPr bwMode="auto">
           <a:xfrm>
-            <a:off x="20" y="-1"/>
-            <a:ext cx="5394940" cy="6858001"/>
+            <a:off x="934447" y="3168761"/>
+            <a:ext cx="2635345" cy="3350028"/>
           </a:xfrm>
           <a:custGeom>
             <a:avLst/>
@@ -25460,7 +25467,7 @@
         </p:nvSpPr>
         <p:spPr>
           <a:xfrm>
-            <a:off x="5305108" y="325015"/>
+            <a:off x="5299590" y="733304"/>
             <a:ext cx="4133860" cy="1150088"/>
           </a:xfrm>
           <a:prstGeom prst="rect">
@@ -25563,7 +25570,7 @@
         </p:nvSpPr>
         <p:spPr>
           <a:xfrm>
-            <a:off x="5299590" y="2625192"/>
+            <a:off x="5299590" y="2986547"/>
             <a:ext cx="6140244" cy="719171"/>
           </a:xfrm>
           <a:prstGeom prst="rect">
@@ -25724,7 +25731,7 @@
         </p:nvSpPr>
         <p:spPr>
           <a:xfrm>
-            <a:off x="5299590" y="3812399"/>
+            <a:off x="5299590" y="4233829"/>
             <a:ext cx="6140244" cy="719171"/>
           </a:xfrm>
           <a:prstGeom prst="rect">
